--- a/CSE-6093-RMTW/2. Introduction,_Motivation_Background_and_Problem Statement.pptx
+++ b/CSE-6093-RMTW/2. Introduction,_Motivation_Background_and_Problem Statement.pptx
@@ -21,14 +21,14 @@
   <p:notesSz cx="6858000" cy="9144000"/>
   <p:embeddedFontLst>
     <p:embeddedFont>
-      <p:font typeface="Montserrat Medium" panose="020B0604020202020204" charset="0"/>
+      <p:font typeface="Montserrat" panose="020B0604020202020204" charset="0"/>
       <p:regular r:id="rId9"/>
       <p:bold r:id="rId10"/>
       <p:italic r:id="rId11"/>
       <p:boldItalic r:id="rId12"/>
     </p:embeddedFont>
     <p:embeddedFont>
-      <p:font typeface="Montserrat" panose="020B0604020202020204" charset="0"/>
+      <p:font typeface="Montserrat Medium" panose="020B0604020202020204" charset="0"/>
       <p:regular r:id="rId13"/>
       <p:bold r:id="rId14"/>
       <p:italic r:id="rId15"/>
@@ -361,7 +361,7 @@
           <a:p>
             <a:fld id="{246373C3-5698-471F-9308-38CF10C2DB54}" type="datetime1">
               <a:rPr lang="en-US" smtClean="0"/>
-              <a:t>14-Feb-24</a:t>
+              <a:t>25-Feb-24</a:t>
             </a:fld>
             <a:endParaRPr lang="en-US"/>
           </a:p>
@@ -6496,10 +6496,34 @@
           <a:lstStyle/>
           <a:p>
             <a:r>
+              <a:rPr lang="en-US" sz="2000" dirty="0" err="1">
+                <a:latin typeface="Montserrat Medium" panose="020B0604020202020204" charset="0"/>
+              </a:rPr>
+              <a:t>SmartSage</a:t>
+            </a:r>
+            <a:r>
               <a:rPr lang="en-US" sz="2000" dirty="0">
                 <a:latin typeface="Montserrat Medium" panose="020B0604020202020204" charset="0"/>
               </a:rPr>
-              <a:t>Home Automation Framework Focused on IOT and Future Prediction of Use with Machine Learning</a:t>
+              <a:t>: </a:t>
+            </a:r>
+            <a:r>
+              <a:rPr lang="en-US" sz="2000" dirty="0" err="1" smtClean="0">
+                <a:latin typeface="Montserrat Medium" panose="020B0604020202020204" charset="0"/>
+              </a:rPr>
+              <a:t>IoT</a:t>
+            </a:r>
+            <a:r>
+              <a:rPr lang="en-US" sz="2000" dirty="0" smtClean="0">
+                <a:latin typeface="Montserrat Medium" panose="020B0604020202020204" charset="0"/>
+              </a:rPr>
+              <a:t>-Driven </a:t>
+            </a:r>
+            <a:r>
+              <a:rPr lang="en-US" sz="2000" dirty="0">
+                <a:latin typeface="Montserrat Medium" panose="020B0604020202020204" charset="0"/>
+              </a:rPr>
+              <a:t>Home Automation with Predictive Machine Learning</a:t>
             </a:r>
             <a:endParaRPr lang="en-US" sz="2000" dirty="0">
               <a:latin typeface="Montserrat Medium" panose="020B0604020202020204" charset="0"/>
@@ -7711,9 +7735,6 @@
                 </a:rPr>
                 <a:t>Convenience</a:t>
               </a:r>
-              <a:endParaRPr lang="en-US" sz="1200" dirty="0">
-                <a:latin typeface="Montserrat Medium" panose="020B0604020202020204" charset="0"/>
-              </a:endParaRPr>
             </a:p>
           </p:txBody>
         </p:sp>
@@ -7811,9 +7832,6 @@
                 </a:rPr>
                 <a:t>Convenience</a:t>
               </a:r>
-              <a:endParaRPr lang="en-US" sz="1200" dirty="0">
-                <a:latin typeface="Montserrat Medium" panose="020B0604020202020204" charset="0"/>
-              </a:endParaRPr>
             </a:p>
           </p:txBody>
         </p:sp>
@@ -8023,9 +8041,6 @@
                 </a:rPr>
                 <a:t>Security &amp; Safety</a:t>
               </a:r>
-              <a:endParaRPr lang="en-US" sz="1200" dirty="0">
-                <a:latin typeface="Montserrat Medium" panose="020B0604020202020204" charset="0"/>
-              </a:endParaRPr>
             </a:p>
           </p:txBody>
         </p:sp>
@@ -8123,9 +8138,6 @@
                 </a:rPr>
                 <a:t>Accessibility</a:t>
               </a:r>
-              <a:endParaRPr lang="en-US" sz="1200" dirty="0">
-                <a:latin typeface="Montserrat Medium" panose="020B0604020202020204" charset="0"/>
-              </a:endParaRPr>
             </a:p>
           </p:txBody>
         </p:sp>

--- a/CSE-6093-RMTW/2. Introduction,_Motivation_Background_and_Problem Statement.pptx
+++ b/CSE-6093-RMTW/2. Introduction,_Motivation_Background_and_Problem Statement.pptx
@@ -5,41 +5,42 @@
     <p:sldMasterId id="2147483660" r:id="rId1"/>
   </p:sldMasterIdLst>
   <p:notesMasterIdLst>
-    <p:notesMasterId r:id="rId7"/>
+    <p:notesMasterId r:id="rId8"/>
   </p:notesMasterIdLst>
   <p:handoutMasterIdLst>
-    <p:handoutMasterId r:id="rId8"/>
+    <p:handoutMasterId r:id="rId9"/>
   </p:handoutMasterIdLst>
   <p:sldIdLst>
     <p:sldId id="256" r:id="rId2"/>
     <p:sldId id="260" r:id="rId3"/>
     <p:sldId id="264" r:id="rId4"/>
     <p:sldId id="261" r:id="rId5"/>
-    <p:sldId id="263" r:id="rId6"/>
+    <p:sldId id="265" r:id="rId6"/>
+    <p:sldId id="263" r:id="rId7"/>
   </p:sldIdLst>
   <p:sldSz cx="9144000" cy="5143500" type="screen16x9"/>
   <p:notesSz cx="6858000" cy="9144000"/>
   <p:embeddedFontLst>
     <p:embeddedFont>
       <p:font typeface="Montserrat" panose="020B0604020202020204" charset="0"/>
-      <p:regular r:id="rId9"/>
-      <p:bold r:id="rId10"/>
-      <p:italic r:id="rId11"/>
-      <p:boldItalic r:id="rId12"/>
+      <p:regular r:id="rId10"/>
+      <p:bold r:id="rId11"/>
+      <p:italic r:id="rId12"/>
+      <p:boldItalic r:id="rId13"/>
     </p:embeddedFont>
     <p:embeddedFont>
       <p:font typeface="Montserrat Medium" panose="020B0604020202020204" charset="0"/>
-      <p:regular r:id="rId13"/>
-      <p:bold r:id="rId14"/>
-      <p:italic r:id="rId15"/>
-      <p:boldItalic r:id="rId16"/>
+      <p:regular r:id="rId14"/>
+      <p:bold r:id="rId15"/>
+      <p:italic r:id="rId16"/>
+      <p:boldItalic r:id="rId17"/>
     </p:embeddedFont>
     <p:embeddedFont>
       <p:font typeface="Fira Sans Extra Condensed" panose="020B0604020202020204" charset="0"/>
-      <p:regular r:id="rId17"/>
-      <p:bold r:id="rId18"/>
-      <p:italic r:id="rId19"/>
-      <p:boldItalic r:id="rId20"/>
+      <p:regular r:id="rId18"/>
+      <p:bold r:id="rId19"/>
+      <p:italic r:id="rId20"/>
+      <p:boldItalic r:id="rId21"/>
     </p:embeddedFont>
   </p:embeddedFontLst>
   <p:defaultTextStyle>
@@ -361,7 +362,7 @@
           <a:p>
             <a:fld id="{246373C3-5698-471F-9308-38CF10C2DB54}" type="datetime1">
               <a:rPr lang="en-US" smtClean="0"/>
-              <a:t>25-Feb-24</a:t>
+              <a:t>29-Feb-24</a:t>
             </a:fld>
             <a:endParaRPr lang="en-US"/>
           </a:p>
@@ -1333,6 +1334,115 @@
 </file>
 
 <file path=ppt/notesSlides/notesSlide5.xml><?xml version="1.0" encoding="utf-8"?>
+<p:notes xmlns:a="http://schemas.openxmlformats.org/drawingml/2006/main" xmlns:r="http://schemas.openxmlformats.org/officeDocument/2006/relationships" xmlns:p="http://schemas.openxmlformats.org/presentationml/2006/main" showMasterSp="0" showMasterPhAnim="0">
+  <p:cSld>
+    <p:spTree>
+      <p:nvGrpSpPr>
+        <p:cNvPr id="1" name="Shape 44"/>
+        <p:cNvGrpSpPr/>
+        <p:nvPr/>
+      </p:nvGrpSpPr>
+      <p:grpSpPr>
+        <a:xfrm>
+          <a:off x="0" y="0"/>
+          <a:ext cx="0" cy="0"/>
+          <a:chOff x="0" y="0"/>
+          <a:chExt cx="0" cy="0"/>
+        </a:xfrm>
+      </p:grpSpPr>
+      <p:sp>
+        <p:nvSpPr>
+          <p:cNvPr id="45" name="Google Shape;45;g25fc6f885eb_0_6:notes"/>
+          <p:cNvSpPr>
+            <a:spLocks noGrp="1" noRot="1" noChangeAspect="1"/>
+          </p:cNvSpPr>
+          <p:nvPr>
+            <p:ph type="sldImg" idx="2"/>
+          </p:nvPr>
+        </p:nvSpPr>
+        <p:spPr>
+          <a:xfrm>
+            <a:off x="381000" y="685800"/>
+            <a:ext cx="6096000" cy="3429000"/>
+          </a:xfrm>
+          <a:custGeom>
+            <a:avLst/>
+            <a:gdLst/>
+            <a:ahLst/>
+            <a:cxnLst/>
+            <a:rect l="l" t="t" r="r" b="b"/>
+            <a:pathLst>
+              <a:path w="120000" h="120000" extrusionOk="0">
+                <a:moveTo>
+                  <a:pt x="0" y="0"/>
+                </a:moveTo>
+                <a:lnTo>
+                  <a:pt x="120000" y="0"/>
+                </a:lnTo>
+                <a:lnTo>
+                  <a:pt x="120000" y="120000"/>
+                </a:lnTo>
+                <a:lnTo>
+                  <a:pt x="0" y="120000"/>
+                </a:lnTo>
+                <a:close/>
+              </a:path>
+            </a:pathLst>
+          </a:custGeom>
+        </p:spPr>
+      </p:sp>
+      <p:sp>
+        <p:nvSpPr>
+          <p:cNvPr id="46" name="Google Shape;46;g25fc6f885eb_0_6:notes"/>
+          <p:cNvSpPr txBox="1">
+            <a:spLocks noGrp="1"/>
+          </p:cNvSpPr>
+          <p:nvPr>
+            <p:ph type="body" idx="1"/>
+          </p:nvPr>
+        </p:nvSpPr>
+        <p:spPr>
+          <a:xfrm>
+            <a:off x="685800" y="4343400"/>
+            <a:ext cx="5486400" cy="4114800"/>
+          </a:xfrm>
+          <a:prstGeom prst="rect">
+            <a:avLst/>
+          </a:prstGeom>
+        </p:spPr>
+        <p:txBody>
+          <a:bodyPr spcFirstLastPara="1" wrap="square" lIns="91425" tIns="91425" rIns="91425" bIns="91425" anchor="t" anchorCtr="0">
+            <a:noAutofit/>
+          </a:bodyPr>
+          <a:lstStyle/>
+          <a:p>
+            <a:pPr marL="0" lvl="0" indent="0" algn="l" rtl="0">
+              <a:spcBef>
+                <a:spcPts val="0"/>
+              </a:spcBef>
+              <a:spcAft>
+                <a:spcPts val="0"/>
+              </a:spcAft>
+              <a:buNone/>
+            </a:pPr>
+            <a:endParaRPr/>
+          </a:p>
+        </p:txBody>
+      </p:sp>
+    </p:spTree>
+    <p:extLst>
+      <p:ext uri="{BB962C8B-B14F-4D97-AF65-F5344CB8AC3E}">
+        <p14:creationId xmlns:p14="http://schemas.microsoft.com/office/powerpoint/2010/main" val="2108041884"/>
+      </p:ext>
+    </p:extLst>
+  </p:cSld>
+  <p:clrMapOvr>
+    <a:masterClrMapping/>
+  </p:clrMapOvr>
+</p:notes>
+</file>
+
+<file path=ppt/notesSlides/notesSlide6.xml><?xml version="1.0" encoding="utf-8"?>
 <p:notes xmlns:a="http://schemas.openxmlformats.org/drawingml/2006/main" xmlns:r="http://schemas.openxmlformats.org/officeDocument/2006/relationships" xmlns:p="http://schemas.openxmlformats.org/presentationml/2006/main" showMasterSp="0" showMasterPhAnim="0">
   <p:cSld>
     <p:spTree>
@@ -6482,7 +6592,7 @@
         </p:nvSpPr>
         <p:spPr>
           <a:xfrm>
-            <a:off x="606730" y="657382"/>
+            <a:off x="606730" y="650756"/>
             <a:ext cx="8284870" cy="662353"/>
           </a:xfrm>
           <a:prstGeom prst="rect">
@@ -6496,34 +6606,34 @@
           <a:lstStyle/>
           <a:p>
             <a:r>
+              <a:rPr lang="en-US" sz="2000" dirty="0">
+                <a:latin typeface="Montserrat Medium" panose="020B0604020202020204" charset="0"/>
+              </a:rPr>
+              <a:t>Smart Sage: </a:t>
+            </a:r>
+            <a:r>
               <a:rPr lang="en-US" sz="2000" dirty="0" err="1">
                 <a:latin typeface="Montserrat Medium" panose="020B0604020202020204" charset="0"/>
               </a:rPr>
-              <a:t>SmartSage</a:t>
+              <a:t>IoT</a:t>
             </a:r>
             <a:r>
               <a:rPr lang="en-US" sz="2000" dirty="0">
                 <a:latin typeface="Montserrat Medium" panose="020B0604020202020204" charset="0"/>
               </a:rPr>
-              <a:t>: </a:t>
-            </a:r>
-            <a:r>
-              <a:rPr lang="en-US" sz="2000" dirty="0" err="1" smtClean="0">
-                <a:latin typeface="Montserrat Medium" panose="020B0604020202020204" charset="0"/>
-              </a:rPr>
-              <a:t>IoT</a:t>
+              <a:t>-Driven Home </a:t>
             </a:r>
             <a:r>
               <a:rPr lang="en-US" sz="2000" dirty="0" smtClean="0">
                 <a:latin typeface="Montserrat Medium" panose="020B0604020202020204" charset="0"/>
               </a:rPr>
-              <a:t>-Driven </a:t>
+              <a:t>Automation Framework </a:t>
             </a:r>
             <a:r>
               <a:rPr lang="en-US" sz="2000" dirty="0">
                 <a:latin typeface="Montserrat Medium" panose="020B0604020202020204" charset="0"/>
               </a:rPr>
-              <a:t>Home Automation with Predictive Machine Learning</a:t>
+              <a:t>with Predictive Machine Learning</a:t>
             </a:r>
             <a:endParaRPr lang="en-US" sz="2000" dirty="0">
               <a:latin typeface="Montserrat Medium" panose="020B0604020202020204" charset="0"/>
@@ -7335,7 +7445,7 @@
         <p:spPr>
           <a:xfrm>
             <a:off x="7809595" y="4624832"/>
-            <a:ext cx="997389" cy="246221"/>
+            <a:ext cx="984565" cy="246221"/>
           </a:xfrm>
           <a:prstGeom prst="rect">
             <a:avLst/>
@@ -7352,7 +7462,13 @@
               <a:rPr lang="en-US" sz="1000" b="1" dirty="0" smtClean="0">
                 <a:latin typeface="Montserrat Medium" panose="020B0604020202020204" charset="0"/>
               </a:rPr>
-              <a:t>Page No: 04</a:t>
+              <a:t>Page No: </a:t>
+            </a:r>
+            <a:r>
+              <a:rPr lang="en-US" sz="1000" b="1" dirty="0" smtClean="0">
+                <a:latin typeface="Montserrat Medium" panose="020B0604020202020204" charset="0"/>
+              </a:rPr>
+              <a:t>02</a:t>
             </a:r>
             <a:endParaRPr lang="en-US" sz="1000" b="1" dirty="0">
               <a:latin typeface="Montserrat Medium" panose="020B0604020202020204" charset="0"/>
@@ -7636,109 +7752,12 @@
             <a:pPr algn="ctr"/>
             <a:r>
               <a:rPr lang="en-US" sz="2800" dirty="0" smtClean="0"/>
-              <a:t>Motivations</a:t>
+              <a:t>Objectives </a:t>
             </a:r>
             <a:endParaRPr lang="en-US" sz="2800" dirty="0"/>
           </a:p>
         </p:txBody>
       </p:sp>
-      <p:grpSp>
-        <p:nvGrpSpPr>
-          <p:cNvPr id="3" name="Group 2"/>
-          <p:cNvGrpSpPr/>
-          <p:nvPr/>
-        </p:nvGrpSpPr>
-        <p:grpSpPr>
-          <a:xfrm>
-            <a:off x="929408" y="1651652"/>
-            <a:ext cx="6936190" cy="276999"/>
-            <a:chOff x="1021307" y="1312898"/>
-            <a:chExt cx="6936190" cy="276999"/>
-          </a:xfrm>
-        </p:grpSpPr>
-        <p:sp>
-          <p:nvSpPr>
-            <p:cNvPr id="8" name="Oval 7"/>
-            <p:cNvSpPr/>
-            <p:nvPr/>
-          </p:nvSpPr>
-          <p:spPr>
-            <a:xfrm>
-              <a:off x="1021307" y="1361946"/>
-              <a:ext cx="170522" cy="178904"/>
-            </a:xfrm>
-            <a:prstGeom prst="ellipse">
-              <a:avLst/>
-            </a:prstGeom>
-            <a:solidFill>
-              <a:schemeClr val="accent2">
-                <a:lumMod val="75000"/>
-              </a:schemeClr>
-            </a:solidFill>
-            <a:ln>
-              <a:solidFill>
-                <a:schemeClr val="accent2">
-                  <a:lumMod val="50000"/>
-                </a:schemeClr>
-              </a:solidFill>
-            </a:ln>
-          </p:spPr>
-          <p:style>
-            <a:lnRef idx="0">
-              <a:schemeClr val="dk1"/>
-            </a:lnRef>
-            <a:fillRef idx="3">
-              <a:schemeClr val="dk1"/>
-            </a:fillRef>
-            <a:effectRef idx="3">
-              <a:schemeClr val="dk1"/>
-            </a:effectRef>
-            <a:fontRef idx="minor">
-              <a:schemeClr val="lt1"/>
-            </a:fontRef>
-          </p:style>
-          <p:txBody>
-            <a:bodyPr rtlCol="0" anchor="ctr"/>
-            <a:lstStyle/>
-            <a:p>
-              <a:pPr algn="ctr"/>
-              <a:endParaRPr lang="en-US"/>
-            </a:p>
-          </p:txBody>
-        </p:sp>
-        <p:sp>
-          <p:nvSpPr>
-            <p:cNvPr id="16" name="TextBox 15"/>
-            <p:cNvSpPr txBox="1"/>
-            <p:nvPr/>
-          </p:nvSpPr>
-          <p:spPr>
-            <a:xfrm>
-              <a:off x="1186503" y="1312898"/>
-              <a:ext cx="6770994" cy="276999"/>
-            </a:xfrm>
-            <a:prstGeom prst="rect">
-              <a:avLst/>
-            </a:prstGeom>
-            <a:noFill/>
-          </p:spPr>
-          <p:txBody>
-            <a:bodyPr wrap="square" rtlCol="0">
-              <a:spAutoFit/>
-            </a:bodyPr>
-            <a:lstStyle/>
-            <a:p>
-              <a:pPr algn="just"/>
-              <a:r>
-                <a:rPr lang="en-US" sz="1200" dirty="0">
-                  <a:latin typeface="Montserrat Medium" panose="020B0604020202020204" charset="0"/>
-                </a:rPr>
-                <a:t>Convenience</a:t>
-              </a:r>
-            </a:p>
-          </p:txBody>
-        </p:sp>
-      </p:grpSp>
       <p:grpSp>
         <p:nvGrpSpPr>
           <p:cNvPr id="21" name="Group 20"/>
@@ -7747,10 +7766,10 @@
         </p:nvGrpSpPr>
         <p:grpSpPr>
           <a:xfrm>
-            <a:off x="929408" y="1217234"/>
-            <a:ext cx="6936190" cy="276999"/>
-            <a:chOff x="1021307" y="1312898"/>
-            <a:chExt cx="6936190" cy="276999"/>
+            <a:off x="924082" y="1217234"/>
+            <a:ext cx="6941516" cy="461665"/>
+            <a:chOff x="1015981" y="1312898"/>
+            <a:chExt cx="6941516" cy="461665"/>
           </a:xfrm>
         </p:grpSpPr>
         <p:sp>
@@ -7761,7 +7780,7 @@
           </p:nvSpPr>
           <p:spPr>
             <a:xfrm>
-              <a:off x="1021307" y="1361946"/>
+              <a:off x="1015981" y="1481695"/>
               <a:ext cx="170522" cy="178904"/>
             </a:xfrm>
             <a:prstGeom prst="ellipse">
@@ -7812,7 +7831,7 @@
           <p:spPr>
             <a:xfrm>
               <a:off x="1186503" y="1312898"/>
-              <a:ext cx="6770994" cy="276999"/>
+              <a:ext cx="6770994" cy="461665"/>
             </a:xfrm>
             <a:prstGeom prst="rect">
               <a:avLst/>
@@ -7830,116 +7849,7 @@
                 <a:rPr lang="en-US" sz="1200" dirty="0">
                   <a:latin typeface="Montserrat Medium" panose="020B0604020202020204" charset="0"/>
                 </a:rPr>
-                <a:t>Convenience</a:t>
-              </a:r>
-            </a:p>
-          </p:txBody>
-        </p:sp>
-      </p:grpSp>
-      <p:grpSp>
-        <p:nvGrpSpPr>
-          <p:cNvPr id="24" name="Group 23"/>
-          <p:cNvGrpSpPr/>
-          <p:nvPr/>
-        </p:nvGrpSpPr>
-        <p:grpSpPr>
-          <a:xfrm>
-            <a:off x="929408" y="2034426"/>
-            <a:ext cx="6936190" cy="276999"/>
-            <a:chOff x="1021307" y="1312898"/>
-            <a:chExt cx="6936190" cy="276999"/>
-          </a:xfrm>
-        </p:grpSpPr>
-        <p:sp>
-          <p:nvSpPr>
-            <p:cNvPr id="25" name="Oval 24"/>
-            <p:cNvSpPr/>
-            <p:nvPr/>
-          </p:nvSpPr>
-          <p:spPr>
-            <a:xfrm>
-              <a:off x="1021307" y="1361946"/>
-              <a:ext cx="170522" cy="178904"/>
-            </a:xfrm>
-            <a:prstGeom prst="ellipse">
-              <a:avLst/>
-            </a:prstGeom>
-            <a:solidFill>
-              <a:schemeClr val="accent2">
-                <a:lumMod val="75000"/>
-              </a:schemeClr>
-            </a:solidFill>
-            <a:ln>
-              <a:solidFill>
-                <a:schemeClr val="accent2">
-                  <a:lumMod val="50000"/>
-                </a:schemeClr>
-              </a:solidFill>
-            </a:ln>
-          </p:spPr>
-          <p:style>
-            <a:lnRef idx="0">
-              <a:schemeClr val="dk1"/>
-            </a:lnRef>
-            <a:fillRef idx="3">
-              <a:schemeClr val="dk1"/>
-            </a:fillRef>
-            <a:effectRef idx="3">
-              <a:schemeClr val="dk1"/>
-            </a:effectRef>
-            <a:fontRef idx="minor">
-              <a:schemeClr val="lt1"/>
-            </a:fontRef>
-          </p:style>
-          <p:txBody>
-            <a:bodyPr rtlCol="0" anchor="ctr"/>
-            <a:lstStyle/>
-            <a:p>
-              <a:pPr algn="ctr"/>
-              <a:endParaRPr lang="en-US"/>
-            </a:p>
-          </p:txBody>
-        </p:sp>
-        <p:sp>
-          <p:nvSpPr>
-            <p:cNvPr id="26" name="TextBox 25"/>
-            <p:cNvSpPr txBox="1"/>
-            <p:nvPr/>
-          </p:nvSpPr>
-          <p:spPr>
-            <a:xfrm>
-              <a:off x="1186503" y="1312898"/>
-              <a:ext cx="6770994" cy="276999"/>
-            </a:xfrm>
-            <a:prstGeom prst="rect">
-              <a:avLst/>
-            </a:prstGeom>
-            <a:noFill/>
-          </p:spPr>
-          <p:txBody>
-            <a:bodyPr wrap="square" rtlCol="0">
-              <a:spAutoFit/>
-            </a:bodyPr>
-            <a:lstStyle/>
-            <a:p>
-              <a:pPr algn="just"/>
-              <a:r>
-                <a:rPr lang="en-US" sz="1200" dirty="0" smtClean="0">
-                  <a:latin typeface="Montserrat Medium" panose="020B0604020202020204" charset="0"/>
-                </a:rPr>
-                <a:t>To make </a:t>
-              </a:r>
-              <a:r>
-                <a:rPr lang="en-US" sz="1200" dirty="0">
-                  <a:latin typeface="Montserrat Medium" panose="020B0604020202020204" charset="0"/>
-                </a:rPr>
-                <a:t>a </a:t>
-              </a:r>
-              <a:r>
-                <a:rPr lang="en-US" sz="1200" dirty="0" smtClean="0">
-                  <a:latin typeface="Montserrat Medium" panose="020B0604020202020204" charset="0"/>
-                </a:rPr>
-                <a:t>Comfort Zone</a:t>
+                <a:t>Establishing proper management of unplanned power flows to address power shortages.</a:t>
               </a:r>
               <a:endParaRPr lang="en-US" sz="1200" dirty="0">
                 <a:latin typeface="Montserrat Medium" panose="020B0604020202020204" charset="0"/>
@@ -7956,10 +7866,10 @@
         </p:nvGrpSpPr>
         <p:grpSpPr>
           <a:xfrm>
-            <a:off x="929408" y="2393867"/>
-            <a:ext cx="6936190" cy="276999"/>
+            <a:off x="924082" y="1788943"/>
+            <a:ext cx="6936190" cy="461665"/>
             <a:chOff x="1021307" y="1312898"/>
-            <a:chExt cx="6936190" cy="276999"/>
+            <a:chExt cx="6936190" cy="461665"/>
           </a:xfrm>
         </p:grpSpPr>
         <p:sp>
@@ -7970,7 +7880,7 @@
           </p:nvSpPr>
           <p:spPr>
             <a:xfrm>
-              <a:off x="1021307" y="1361946"/>
+              <a:off x="1021307" y="1463353"/>
               <a:ext cx="170522" cy="178904"/>
             </a:xfrm>
             <a:prstGeom prst="ellipse">
@@ -8021,7 +7931,7 @@
           <p:spPr>
             <a:xfrm>
               <a:off x="1186503" y="1312898"/>
-              <a:ext cx="6770994" cy="276999"/>
+              <a:ext cx="6770994" cy="461665"/>
             </a:xfrm>
             <a:prstGeom prst="rect">
               <a:avLst/>
@@ -8039,8 +7949,11 @@
                 <a:rPr lang="en-US" sz="1200" dirty="0">
                   <a:latin typeface="Montserrat Medium" panose="020B0604020202020204" charset="0"/>
                 </a:rPr>
-                <a:t>Security &amp; Safety</a:t>
+                <a:t>Analyzing historical data and predicting future patterns using machine learning algorithms will help ensure sustainable energy use.</a:t>
               </a:r>
+              <a:endParaRPr lang="en-US" sz="1200" dirty="0">
+                <a:latin typeface="Montserrat Medium" panose="020B0604020202020204" charset="0"/>
+              </a:endParaRPr>
             </a:p>
           </p:txBody>
         </p:sp>
@@ -8053,10 +7966,10 @@
         </p:nvGrpSpPr>
         <p:grpSpPr>
           <a:xfrm>
-            <a:off x="929408" y="2785524"/>
-            <a:ext cx="6936190" cy="276999"/>
-            <a:chOff x="1021307" y="1312898"/>
-            <a:chExt cx="6936190" cy="276999"/>
+            <a:off x="918756" y="2327382"/>
+            <a:ext cx="6941516" cy="461665"/>
+            <a:chOff x="1015981" y="1312898"/>
+            <a:chExt cx="6941516" cy="461665"/>
           </a:xfrm>
         </p:grpSpPr>
         <p:sp>
@@ -8067,7 +7980,7 @@
           </p:nvSpPr>
           <p:spPr>
             <a:xfrm>
-              <a:off x="1021307" y="1361946"/>
+              <a:off x="1015981" y="1460132"/>
               <a:ext cx="170522" cy="178904"/>
             </a:xfrm>
             <a:prstGeom prst="ellipse">
@@ -8118,7 +8031,7 @@
           <p:spPr>
             <a:xfrm>
               <a:off x="1186503" y="1312898"/>
-              <a:ext cx="6770994" cy="276999"/>
+              <a:ext cx="6770994" cy="461665"/>
             </a:xfrm>
             <a:prstGeom prst="rect">
               <a:avLst/>
@@ -8136,35 +8049,38 @@
                 <a:rPr lang="en-US" sz="1200" dirty="0">
                   <a:latin typeface="Montserrat Medium" panose="020B0604020202020204" charset="0"/>
                 </a:rPr>
-                <a:t>Accessibility</a:t>
+                <a:t>To Integrate energy consumption data and predictive analytics to optimize energy usage, reducing utility costs and environmental impact.</a:t>
               </a:r>
+              <a:endParaRPr lang="en-US" sz="1200" dirty="0">
+                <a:latin typeface="Montserrat Medium" panose="020B0604020202020204" charset="0"/>
+              </a:endParaRPr>
             </a:p>
           </p:txBody>
         </p:sp>
       </p:grpSp>
       <p:grpSp>
         <p:nvGrpSpPr>
-          <p:cNvPr id="36" name="Group 35"/>
+          <p:cNvPr id="30" name="Group 29"/>
           <p:cNvGrpSpPr/>
           <p:nvPr/>
         </p:nvGrpSpPr>
         <p:grpSpPr>
           <a:xfrm>
-            <a:off x="929408" y="3203974"/>
-            <a:ext cx="6936190" cy="276999"/>
-            <a:chOff x="1021307" y="1312898"/>
-            <a:chExt cx="6936190" cy="276999"/>
+            <a:off x="929408" y="2963692"/>
+            <a:ext cx="6941516" cy="461665"/>
+            <a:chOff x="1015981" y="1312898"/>
+            <a:chExt cx="6941516" cy="461665"/>
           </a:xfrm>
         </p:grpSpPr>
         <p:sp>
           <p:nvSpPr>
-            <p:cNvPr id="37" name="Oval 36"/>
+            <p:cNvPr id="31" name="Oval 30"/>
             <p:cNvSpPr/>
             <p:nvPr/>
           </p:nvSpPr>
           <p:spPr>
             <a:xfrm>
-              <a:off x="1021307" y="1361946"/>
+              <a:off x="1015981" y="1460132"/>
               <a:ext cx="170522" cy="178904"/>
             </a:xfrm>
             <a:prstGeom prst="ellipse">
@@ -8208,14 +8124,14 @@
         </p:sp>
         <p:sp>
           <p:nvSpPr>
-            <p:cNvPr id="38" name="TextBox 37"/>
+            <p:cNvPr id="32" name="TextBox 31"/>
             <p:cNvSpPr txBox="1"/>
             <p:nvPr/>
           </p:nvSpPr>
           <p:spPr>
             <a:xfrm>
               <a:off x="1186503" y="1312898"/>
-              <a:ext cx="6770994" cy="276999"/>
+              <a:ext cx="6770994" cy="461665"/>
             </a:xfrm>
             <a:prstGeom prst="rect">
               <a:avLst/>
@@ -8233,13 +8149,19 @@
                 <a:rPr lang="en-US" sz="1200" dirty="0">
                   <a:latin typeface="Montserrat Medium" panose="020B0604020202020204" charset="0"/>
                 </a:rPr>
-                <a:t>Tech Savvy </a:t>
+                <a:t>Designing the framework to be scalable and adaptable to accommodate future technological advancements and expansion of the </a:t>
               </a:r>
               <a:r>
-                <a:rPr lang="en-US" sz="1200" dirty="0" smtClean="0">
+                <a:rPr lang="en-US" sz="1200" dirty="0" err="1">
                   <a:latin typeface="Montserrat Medium" panose="020B0604020202020204" charset="0"/>
                 </a:rPr>
-                <a:t>Life style</a:t>
+                <a:t>IoT</a:t>
+              </a:r>
+              <a:r>
+                <a:rPr lang="en-US" sz="1200" dirty="0">
+                  <a:latin typeface="Montserrat Medium" panose="020B0604020202020204" charset="0"/>
+                </a:rPr>
+                <a:t> ecosystem.</a:t>
               </a:r>
               <a:endParaRPr lang="en-US" sz="1200" dirty="0">
                 <a:latin typeface="Montserrat Medium" panose="020B0604020202020204" charset="0"/>
@@ -8564,7 +8486,7 @@
         <p:spPr>
           <a:xfrm>
             <a:off x="7809595" y="4624832"/>
-            <a:ext cx="997389" cy="246221"/>
+            <a:ext cx="984565" cy="246221"/>
           </a:xfrm>
           <a:prstGeom prst="rect">
             <a:avLst/>
@@ -8581,7 +8503,13 @@
               <a:rPr lang="en-US" sz="1000" b="1" dirty="0" smtClean="0">
                 <a:latin typeface="Montserrat Medium" panose="020B0604020202020204" charset="0"/>
               </a:rPr>
-              <a:t>Page No: 04</a:t>
+              <a:t>Page No: </a:t>
+            </a:r>
+            <a:r>
+              <a:rPr lang="en-US" sz="1000" b="1" dirty="0" smtClean="0">
+                <a:latin typeface="Montserrat Medium" panose="020B0604020202020204" charset="0"/>
+              </a:rPr>
+              <a:t>03</a:t>
             </a:r>
             <a:endParaRPr lang="en-US" sz="1000" b="1" dirty="0">
               <a:latin typeface="Montserrat Medium" panose="020B0604020202020204" charset="0"/>
@@ -8864,10 +8792,9 @@
           <a:p>
             <a:pPr algn="ctr"/>
             <a:r>
-              <a:rPr lang="en-US" sz="2800" dirty="0" smtClean="0"/>
+              <a:rPr lang="en-US" sz="2800" dirty="0"/>
               <a:t>Related Works</a:t>
             </a:r>
-            <a:endParaRPr lang="en-US" sz="2800" dirty="0"/>
           </a:p>
         </p:txBody>
       </p:sp>
@@ -9760,6 +9687,665 @@
         <p:spPr>
           <a:xfrm>
             <a:off x="7809595" y="4624832"/>
+            <a:ext cx="997389" cy="246221"/>
+          </a:xfrm>
+          <a:prstGeom prst="rect">
+            <a:avLst/>
+          </a:prstGeom>
+          <a:noFill/>
+        </p:spPr>
+        <p:txBody>
+          <a:bodyPr wrap="none" rtlCol="0">
+            <a:spAutoFit/>
+          </a:bodyPr>
+          <a:lstStyle/>
+          <a:p>
+            <a:r>
+              <a:rPr lang="en-US" sz="1000" b="1" dirty="0" smtClean="0">
+                <a:latin typeface="Montserrat Medium" panose="020B0604020202020204" charset="0"/>
+              </a:rPr>
+              <a:t>Page No: </a:t>
+            </a:r>
+            <a:r>
+              <a:rPr lang="en-US" sz="1000" b="1" dirty="0" smtClean="0">
+                <a:latin typeface="Montserrat Medium" panose="020B0604020202020204" charset="0"/>
+              </a:rPr>
+              <a:t>04</a:t>
+            </a:r>
+            <a:endParaRPr lang="en-US" sz="1000" b="1" dirty="0">
+              <a:latin typeface="Montserrat Medium" panose="020B0604020202020204" charset="0"/>
+            </a:endParaRPr>
+          </a:p>
+        </p:txBody>
+      </p:sp>
+      <p:sp>
+        <p:nvSpPr>
+          <p:cNvPr id="220" name="Google Shape;223;p16"/>
+          <p:cNvSpPr txBox="1">
+            <a:spLocks/>
+          </p:cNvSpPr>
+          <p:nvPr/>
+        </p:nvSpPr>
+        <p:spPr>
+          <a:xfrm>
+            <a:off x="452549" y="256286"/>
+            <a:ext cx="8238900" cy="561600"/>
+          </a:xfrm>
+          <a:prstGeom prst="rect">
+            <a:avLst/>
+          </a:prstGeom>
+          <a:noFill/>
+          <a:ln>
+            <a:noFill/>
+          </a:ln>
+        </p:spPr>
+        <p:txBody>
+          <a:bodyPr spcFirstLastPara="1" wrap="square" lIns="91425" tIns="91425" rIns="91425" bIns="91425" anchor="t" anchorCtr="0">
+            <a:noAutofit/>
+          </a:bodyPr>
+          <a:lstStyle>
+            <a:defPPr marR="0" lvl="0" algn="l" rtl="0">
+              <a:lnSpc>
+                <a:spcPct val="100000"/>
+              </a:lnSpc>
+              <a:spcBef>
+                <a:spcPts val="0"/>
+              </a:spcBef>
+              <a:spcAft>
+                <a:spcPts val="0"/>
+              </a:spcAft>
+            </a:defPPr>
+            <a:lvl1pPr marR="0" lvl="0" algn="l" rtl="0">
+              <a:lnSpc>
+                <a:spcPct val="90000"/>
+              </a:lnSpc>
+              <a:spcBef>
+                <a:spcPts val="0"/>
+              </a:spcBef>
+              <a:spcAft>
+                <a:spcPts val="0"/>
+              </a:spcAft>
+              <a:buClr>
+                <a:schemeClr val="dk1"/>
+              </a:buClr>
+              <a:buSzPts val="5200"/>
+              <a:buFont typeface="Montserrat"/>
+              <a:buNone/>
+              <a:defRPr sz="5000" b="1" i="0" u="none" strike="noStrike" cap="none">
+                <a:solidFill>
+                  <a:schemeClr val="dk1"/>
+                </a:solidFill>
+                <a:latin typeface="Montserrat"/>
+                <a:ea typeface="Montserrat"/>
+                <a:cs typeface="Montserrat"/>
+                <a:sym typeface="Montserrat"/>
+              </a:defRPr>
+            </a:lvl1pPr>
+            <a:lvl2pPr marR="0" lvl="1" algn="ctr" rtl="0">
+              <a:lnSpc>
+                <a:spcPct val="100000"/>
+              </a:lnSpc>
+              <a:spcBef>
+                <a:spcPts val="0"/>
+              </a:spcBef>
+              <a:spcAft>
+                <a:spcPts val="0"/>
+              </a:spcAft>
+              <a:buClr>
+                <a:schemeClr val="dk1"/>
+              </a:buClr>
+              <a:buSzPts val="5200"/>
+              <a:buFont typeface="Montserrat"/>
+              <a:buNone/>
+              <a:defRPr sz="5200" b="1" i="0" u="none" strike="noStrike" cap="none">
+                <a:solidFill>
+                  <a:schemeClr val="dk1"/>
+                </a:solidFill>
+                <a:latin typeface="Montserrat"/>
+                <a:ea typeface="Montserrat"/>
+                <a:cs typeface="Montserrat"/>
+                <a:sym typeface="Montserrat"/>
+              </a:defRPr>
+            </a:lvl2pPr>
+            <a:lvl3pPr marR="0" lvl="2" algn="ctr" rtl="0">
+              <a:lnSpc>
+                <a:spcPct val="100000"/>
+              </a:lnSpc>
+              <a:spcBef>
+                <a:spcPts val="0"/>
+              </a:spcBef>
+              <a:spcAft>
+                <a:spcPts val="0"/>
+              </a:spcAft>
+              <a:buClr>
+                <a:schemeClr val="dk1"/>
+              </a:buClr>
+              <a:buSzPts val="5200"/>
+              <a:buFont typeface="Montserrat"/>
+              <a:buNone/>
+              <a:defRPr sz="5200" b="1" i="0" u="none" strike="noStrike" cap="none">
+                <a:solidFill>
+                  <a:schemeClr val="dk1"/>
+                </a:solidFill>
+                <a:latin typeface="Montserrat"/>
+                <a:ea typeface="Montserrat"/>
+                <a:cs typeface="Montserrat"/>
+                <a:sym typeface="Montserrat"/>
+              </a:defRPr>
+            </a:lvl3pPr>
+            <a:lvl4pPr marR="0" lvl="3" algn="ctr" rtl="0">
+              <a:lnSpc>
+                <a:spcPct val="100000"/>
+              </a:lnSpc>
+              <a:spcBef>
+                <a:spcPts val="0"/>
+              </a:spcBef>
+              <a:spcAft>
+                <a:spcPts val="0"/>
+              </a:spcAft>
+              <a:buClr>
+                <a:schemeClr val="dk1"/>
+              </a:buClr>
+              <a:buSzPts val="5200"/>
+              <a:buFont typeface="Montserrat"/>
+              <a:buNone/>
+              <a:defRPr sz="5200" b="1" i="0" u="none" strike="noStrike" cap="none">
+                <a:solidFill>
+                  <a:schemeClr val="dk1"/>
+                </a:solidFill>
+                <a:latin typeface="Montserrat"/>
+                <a:ea typeface="Montserrat"/>
+                <a:cs typeface="Montserrat"/>
+                <a:sym typeface="Montserrat"/>
+              </a:defRPr>
+            </a:lvl4pPr>
+            <a:lvl5pPr marR="0" lvl="4" algn="ctr" rtl="0">
+              <a:lnSpc>
+                <a:spcPct val="100000"/>
+              </a:lnSpc>
+              <a:spcBef>
+                <a:spcPts val="0"/>
+              </a:spcBef>
+              <a:spcAft>
+                <a:spcPts val="0"/>
+              </a:spcAft>
+              <a:buClr>
+                <a:schemeClr val="dk1"/>
+              </a:buClr>
+              <a:buSzPts val="5200"/>
+              <a:buFont typeface="Montserrat"/>
+              <a:buNone/>
+              <a:defRPr sz="5200" b="1" i="0" u="none" strike="noStrike" cap="none">
+                <a:solidFill>
+                  <a:schemeClr val="dk1"/>
+                </a:solidFill>
+                <a:latin typeface="Montserrat"/>
+                <a:ea typeface="Montserrat"/>
+                <a:cs typeface="Montserrat"/>
+                <a:sym typeface="Montserrat"/>
+              </a:defRPr>
+            </a:lvl5pPr>
+            <a:lvl6pPr marR="0" lvl="5" algn="ctr" rtl="0">
+              <a:lnSpc>
+                <a:spcPct val="100000"/>
+              </a:lnSpc>
+              <a:spcBef>
+                <a:spcPts val="0"/>
+              </a:spcBef>
+              <a:spcAft>
+                <a:spcPts val="0"/>
+              </a:spcAft>
+              <a:buClr>
+                <a:schemeClr val="dk1"/>
+              </a:buClr>
+              <a:buSzPts val="5200"/>
+              <a:buFont typeface="Montserrat"/>
+              <a:buNone/>
+              <a:defRPr sz="5200" b="1" i="0" u="none" strike="noStrike" cap="none">
+                <a:solidFill>
+                  <a:schemeClr val="dk1"/>
+                </a:solidFill>
+                <a:latin typeface="Montserrat"/>
+                <a:ea typeface="Montserrat"/>
+                <a:cs typeface="Montserrat"/>
+                <a:sym typeface="Montserrat"/>
+              </a:defRPr>
+            </a:lvl6pPr>
+            <a:lvl7pPr marR="0" lvl="6" algn="ctr" rtl="0">
+              <a:lnSpc>
+                <a:spcPct val="100000"/>
+              </a:lnSpc>
+              <a:spcBef>
+                <a:spcPts val="0"/>
+              </a:spcBef>
+              <a:spcAft>
+                <a:spcPts val="0"/>
+              </a:spcAft>
+              <a:buClr>
+                <a:schemeClr val="dk1"/>
+              </a:buClr>
+              <a:buSzPts val="5200"/>
+              <a:buFont typeface="Montserrat"/>
+              <a:buNone/>
+              <a:defRPr sz="5200" b="1" i="0" u="none" strike="noStrike" cap="none">
+                <a:solidFill>
+                  <a:schemeClr val="dk1"/>
+                </a:solidFill>
+                <a:latin typeface="Montserrat"/>
+                <a:ea typeface="Montserrat"/>
+                <a:cs typeface="Montserrat"/>
+                <a:sym typeface="Montserrat"/>
+              </a:defRPr>
+            </a:lvl7pPr>
+            <a:lvl8pPr marR="0" lvl="7" algn="ctr" rtl="0">
+              <a:lnSpc>
+                <a:spcPct val="100000"/>
+              </a:lnSpc>
+              <a:spcBef>
+                <a:spcPts val="0"/>
+              </a:spcBef>
+              <a:spcAft>
+                <a:spcPts val="0"/>
+              </a:spcAft>
+              <a:buClr>
+                <a:schemeClr val="dk1"/>
+              </a:buClr>
+              <a:buSzPts val="5200"/>
+              <a:buFont typeface="Montserrat"/>
+              <a:buNone/>
+              <a:defRPr sz="5200" b="1" i="0" u="none" strike="noStrike" cap="none">
+                <a:solidFill>
+                  <a:schemeClr val="dk1"/>
+                </a:solidFill>
+                <a:latin typeface="Montserrat"/>
+                <a:ea typeface="Montserrat"/>
+                <a:cs typeface="Montserrat"/>
+                <a:sym typeface="Montserrat"/>
+              </a:defRPr>
+            </a:lvl8pPr>
+            <a:lvl9pPr marR="0" lvl="8" algn="ctr" rtl="0">
+              <a:lnSpc>
+                <a:spcPct val="100000"/>
+              </a:lnSpc>
+              <a:spcBef>
+                <a:spcPts val="0"/>
+              </a:spcBef>
+              <a:spcAft>
+                <a:spcPts val="0"/>
+              </a:spcAft>
+              <a:buClr>
+                <a:schemeClr val="dk1"/>
+              </a:buClr>
+              <a:buSzPts val="5200"/>
+              <a:buFont typeface="Montserrat"/>
+              <a:buNone/>
+              <a:defRPr sz="5200" b="1" i="0" u="none" strike="noStrike" cap="none">
+                <a:solidFill>
+                  <a:schemeClr val="dk1"/>
+                </a:solidFill>
+                <a:latin typeface="Montserrat"/>
+                <a:ea typeface="Montserrat"/>
+                <a:cs typeface="Montserrat"/>
+                <a:sym typeface="Montserrat"/>
+              </a:defRPr>
+            </a:lvl9pPr>
+          </a:lstStyle>
+          <a:p>
+            <a:pPr algn="ctr"/>
+            <a:r>
+              <a:rPr lang="en-US" sz="2800" dirty="0" smtClean="0"/>
+              <a:t>Methodologies</a:t>
+            </a:r>
+            <a:endParaRPr lang="en-US" sz="2800" dirty="0"/>
+          </a:p>
+        </p:txBody>
+      </p:sp>
+      <p:pic>
+        <p:nvPicPr>
+          <p:cNvPr id="9" name="Picture 8"/>
+          <p:cNvPicPr>
+            <a:picLocks noChangeAspect="1"/>
+          </p:cNvPicPr>
+          <p:nvPr/>
+        </p:nvPicPr>
+        <p:blipFill>
+          <a:blip r:embed="rId4">
+            <a:extLst>
+              <a:ext uri="{28A0092B-C50C-407E-A947-70E740481C1C}">
+                <a14:useLocalDpi xmlns:a14="http://schemas.microsoft.com/office/drawing/2010/main" val="0"/>
+              </a:ext>
+            </a:extLst>
+          </a:blip>
+          <a:stretch>
+            <a:fillRect/>
+          </a:stretch>
+        </p:blipFill>
+        <p:spPr>
+          <a:xfrm>
+            <a:off x="727065" y="798978"/>
+            <a:ext cx="7873595" cy="3723716"/>
+          </a:xfrm>
+          <a:prstGeom prst="rect">
+            <a:avLst/>
+          </a:prstGeom>
+        </p:spPr>
+      </p:pic>
+    </p:spTree>
+    <p:extLst>
+      <p:ext uri="{BB962C8B-B14F-4D97-AF65-F5344CB8AC3E}">
+        <p14:creationId xmlns:p14="http://schemas.microsoft.com/office/powerpoint/2010/main" val="173518021"/>
+      </p:ext>
+    </p:extLst>
+  </p:cSld>
+  <p:clrMapOvr>
+    <a:masterClrMapping/>
+  </p:clrMapOvr>
+  <p:timing>
+    <p:tnLst>
+      <p:par>
+        <p:cTn id="1" dur="indefinite" restart="never" nodeType="tmRoot"/>
+      </p:par>
+    </p:tnLst>
+  </p:timing>
+</p:sld>
+</file>
+
+<file path=ppt/slides/slide5.xml><?xml version="1.0" encoding="utf-8"?>
+<p:sld xmlns:a="http://schemas.openxmlformats.org/drawingml/2006/main" xmlns:r="http://schemas.openxmlformats.org/officeDocument/2006/relationships" xmlns:p="http://schemas.openxmlformats.org/presentationml/2006/main">
+  <p:cSld>
+    <p:spTree>
+      <p:nvGrpSpPr>
+        <p:cNvPr id="1" name="Shape 47"/>
+        <p:cNvGrpSpPr/>
+        <p:nvPr/>
+      </p:nvGrpSpPr>
+      <p:grpSpPr>
+        <a:xfrm>
+          <a:off x="0" y="0"/>
+          <a:ext cx="0" cy="0"/>
+          <a:chOff x="0" y="0"/>
+          <a:chExt cx="0" cy="0"/>
+        </a:xfrm>
+      </p:grpSpPr>
+      <p:sp>
+        <p:nvSpPr>
+          <p:cNvPr id="217" name="Google Shape;50;p15"/>
+          <p:cNvSpPr txBox="1"/>
+          <p:nvPr/>
+        </p:nvSpPr>
+        <p:spPr>
+          <a:xfrm>
+            <a:off x="-373566" y="4828398"/>
+            <a:ext cx="3000000" cy="166500"/>
+          </a:xfrm>
+          <a:prstGeom prst="rect">
+            <a:avLst/>
+          </a:prstGeom>
+          <a:noFill/>
+          <a:ln>
+            <a:noFill/>
+          </a:ln>
+        </p:spPr>
+        <p:txBody>
+          <a:bodyPr spcFirstLastPara="1" wrap="square" lIns="91425" tIns="91425" rIns="91425" bIns="91425" anchor="ctr" anchorCtr="0">
+            <a:noAutofit/>
+          </a:bodyPr>
+          <a:lstStyle/>
+          <a:p>
+            <a:pPr lvl="0" algn="ctr"/>
+            <a:endParaRPr sz="800" b="1" dirty="0">
+              <a:solidFill>
+                <a:schemeClr val="dk1"/>
+              </a:solidFill>
+              <a:latin typeface="Montserrat"/>
+              <a:ea typeface="Montserrat"/>
+              <a:cs typeface="Montserrat"/>
+              <a:sym typeface="Montserrat"/>
+            </a:endParaRPr>
+          </a:p>
+        </p:txBody>
+      </p:sp>
+      <p:sp>
+        <p:nvSpPr>
+          <p:cNvPr id="2" name="Rectangle 1"/>
+          <p:cNvSpPr>
+            <a:spLocks noChangeArrowheads="1"/>
+          </p:cNvSpPr>
+          <p:nvPr/>
+        </p:nvSpPr>
+        <p:spPr bwMode="auto">
+          <a:xfrm>
+            <a:off x="0" y="-188620"/>
+            <a:ext cx="1636643" cy="4385816"/>
+          </a:xfrm>
+          <a:prstGeom prst="rect">
+            <a:avLst/>
+          </a:prstGeom>
+          <a:noFill/>
+          <a:ln>
+            <a:noFill/>
+          </a:ln>
+          <a:effectLst/>
+          <a:extLst>
+            <a:ext uri="{909E8E84-426E-40DD-AFC4-6F175D3DCCD1}">
+              <a14:hiddenFill xmlns:a14="http://schemas.microsoft.com/office/drawing/2010/main">
+                <a:solidFill>
+                  <a:schemeClr val="accent1"/>
+                </a:solidFill>
+              </a14:hiddenFill>
+            </a:ext>
+            <a:ext uri="{91240B29-F687-4F45-9708-019B960494DF}">
+              <a14:hiddenLine xmlns:a14="http://schemas.microsoft.com/office/drawing/2010/main" w="9525">
+                <a:solidFill>
+                  <a:schemeClr val="tx1"/>
+                </a:solidFill>
+                <a:miter lim="800000"/>
+                <a:headEnd/>
+                <a:tailEnd/>
+              </a14:hiddenLine>
+            </a:ext>
+            <a:ext uri="{AF507438-7753-43E0-B8FC-AC1667EBCBE1}">
+              <a14:hiddenEffects xmlns:a14="http://schemas.microsoft.com/office/drawing/2010/main">
+                <a:effectLst>
+                  <a:outerShdw dist="35921" dir="2700000" algn="ctr" rotWithShape="0">
+                    <a:schemeClr val="bg2"/>
+                  </a:outerShdw>
+                </a:effectLst>
+              </a14:hiddenEffects>
+            </a:ext>
+          </a:extLst>
+        </p:spPr>
+        <p:txBody>
+          <a:bodyPr vert="horz" wrap="square" lIns="91440" tIns="45720" rIns="91440" bIns="45720" numCol="1" anchor="ctr" anchorCtr="0" compatLnSpc="1">
+            <a:prstTxWarp prst="textNoShape">
+              <a:avLst/>
+            </a:prstTxWarp>
+            <a:spAutoFit/>
+          </a:bodyPr>
+          <a:lstStyle/>
+          <a:p>
+            <a:pPr marL="0" marR="0" lvl="0" indent="0" algn="l" defTabSz="914400" rtl="0" eaLnBrk="0" fontAlgn="base" latinLnBrk="0" hangingPunct="0">
+              <a:lnSpc>
+                <a:spcPct val="100000"/>
+              </a:lnSpc>
+              <a:spcBef>
+                <a:spcPct val="0"/>
+              </a:spcBef>
+              <a:spcAft>
+                <a:spcPct val="0"/>
+              </a:spcAft>
+              <a:buClrTx/>
+              <a:buSzTx/>
+              <a:buFontTx/>
+              <a:buNone/>
+              <a:tabLst/>
+            </a:pPr>
+            <a:r>
+              <a:rPr kumimoji="0" lang="en-US" altLang="en-US" sz="1800" b="0" i="0" u="none" strike="noStrike" cap="none" normalizeH="0" baseline="0" dirty="0" smtClean="0">
+                <a:ln>
+                  <a:noFill/>
+                </a:ln>
+                <a:solidFill>
+                  <a:schemeClr val="tx1"/>
+                </a:solidFill>
+                <a:effectLst/>
+                <a:latin typeface="Arial" panose="020B0604020202020204" pitchFamily="34" charset="0"/>
+              </a:rPr>
+              <a:t>  </a:t>
+            </a:r>
+            <a:r>
+              <a:rPr kumimoji="0" lang="en-US" altLang="en-US" sz="27900" b="0" i="0" u="none" strike="noStrike" cap="none" normalizeH="0" baseline="0" dirty="0" smtClean="0">
+                <a:ln>
+                  <a:noFill/>
+                </a:ln>
+                <a:solidFill>
+                  <a:schemeClr val="tx1"/>
+                </a:solidFill>
+                <a:effectLst/>
+                <a:latin typeface="Arial" panose="020B0604020202020204" pitchFamily="34" charset="0"/>
+              </a:rPr>
+              <a:t> </a:t>
+            </a:r>
+            <a:endParaRPr kumimoji="0" lang="en-US" altLang="en-US" sz="1800" b="0" i="0" u="none" strike="noStrike" cap="none" normalizeH="0" baseline="0" dirty="0" smtClean="0">
+              <a:ln>
+                <a:noFill/>
+              </a:ln>
+              <a:solidFill>
+                <a:schemeClr val="tx1"/>
+              </a:solidFill>
+              <a:effectLst/>
+              <a:latin typeface="Arial" panose="020B0604020202020204" pitchFamily="34" charset="0"/>
+            </a:endParaRPr>
+          </a:p>
+        </p:txBody>
+      </p:sp>
+      <p:grpSp>
+        <p:nvGrpSpPr>
+          <p:cNvPr id="6" name="Group 5"/>
+          <p:cNvGrpSpPr/>
+          <p:nvPr/>
+        </p:nvGrpSpPr>
+        <p:grpSpPr>
+          <a:xfrm>
+            <a:off x="660805" y="4584239"/>
+            <a:ext cx="3435872" cy="327409"/>
+            <a:chOff x="215685" y="4664693"/>
+            <a:chExt cx="3435872" cy="327409"/>
+          </a:xfrm>
+        </p:grpSpPr>
+        <p:pic>
+          <p:nvPicPr>
+            <p:cNvPr id="1026" name="Picture 2" descr="https://lh7-us.googleusercontent.com/hZYEiqL7_G8utnkksiQWyPU_88DSpG4RVYuFQEPnho2vyvqcM3in0gZpFBLIMp41p9nv0colgQR5mj-UsK7b3TMIA7l2JFGy5RT-alNIV9gMLrzESKwnn8I8rN7vqHN3NyGR6UpoJSeRe_q7SY7BKg=s2048"/>
+            <p:cNvPicPr>
+              <a:picLocks noChangeAspect="1" noChangeArrowheads="1"/>
+            </p:cNvPicPr>
+            <p:nvPr/>
+          </p:nvPicPr>
+          <p:blipFill>
+            <a:blip r:embed="rId3">
+              <a:extLst>
+                <a:ext uri="{28A0092B-C50C-407E-A947-70E740481C1C}">
+                  <a14:useLocalDpi xmlns:a14="http://schemas.microsoft.com/office/drawing/2010/main" val="0"/>
+                </a:ext>
+              </a:extLst>
+            </a:blip>
+            <a:srcRect/>
+            <a:stretch>
+              <a:fillRect/>
+            </a:stretch>
+          </p:blipFill>
+          <p:spPr bwMode="auto">
+            <a:xfrm>
+              <a:off x="215685" y="4664693"/>
+              <a:ext cx="360502" cy="327409"/>
+            </a:xfrm>
+            <a:prstGeom prst="rect">
+              <a:avLst/>
+            </a:prstGeom>
+            <a:noFill/>
+            <a:extLst>
+              <a:ext uri="{909E8E84-426E-40DD-AFC4-6F175D3DCCD1}">
+                <a14:hiddenFill xmlns:a14="http://schemas.microsoft.com/office/drawing/2010/main">
+                  <a:solidFill>
+                    <a:srgbClr val="FFFFFF"/>
+                  </a:solidFill>
+                </a14:hiddenFill>
+              </a:ext>
+            </a:extLst>
+          </p:spPr>
+        </p:pic>
+        <p:sp>
+          <p:nvSpPr>
+            <p:cNvPr id="218" name="Google Shape;50;p15"/>
+            <p:cNvSpPr txBox="1"/>
+            <p:nvPr/>
+          </p:nvSpPr>
+          <p:spPr>
+            <a:xfrm>
+              <a:off x="484288" y="4745147"/>
+              <a:ext cx="3167269" cy="166500"/>
+            </a:xfrm>
+            <a:prstGeom prst="rect">
+              <a:avLst/>
+            </a:prstGeom>
+            <a:noFill/>
+            <a:ln>
+              <a:noFill/>
+            </a:ln>
+          </p:spPr>
+          <p:txBody>
+            <a:bodyPr spcFirstLastPara="1" wrap="square" lIns="91425" tIns="91425" rIns="91425" bIns="91425" anchor="ctr" anchorCtr="0">
+              <a:noAutofit/>
+            </a:bodyPr>
+            <a:lstStyle/>
+            <a:p>
+              <a:pPr lvl="0" algn="ctr"/>
+              <a:r>
+                <a:rPr lang="en-US" sz="800" dirty="0">
+                  <a:solidFill>
+                    <a:schemeClr val="dk1"/>
+                  </a:solidFill>
+                  <a:latin typeface="Montserrat"/>
+                  <a:ea typeface="Montserrat"/>
+                  <a:cs typeface="Montserrat"/>
+                  <a:sym typeface="Montserrat"/>
+                </a:rPr>
+                <a:t>United International University (UIU), Dhaka, Bangladesh</a:t>
+              </a:r>
+              <a:r>
+                <a:rPr lang="en-US" sz="800" dirty="0" smtClean="0">
+                  <a:solidFill>
+                    <a:schemeClr val="dk1"/>
+                  </a:solidFill>
+                  <a:latin typeface="Montserrat"/>
+                  <a:ea typeface="Montserrat"/>
+                  <a:cs typeface="Montserrat"/>
+                  <a:sym typeface="Montserrat"/>
+                </a:rPr>
+                <a:t>.</a:t>
+              </a:r>
+              <a:endParaRPr sz="800" b="1" dirty="0">
+                <a:solidFill>
+                  <a:schemeClr val="dk1"/>
+                </a:solidFill>
+                <a:latin typeface="Montserrat"/>
+                <a:ea typeface="Montserrat"/>
+                <a:cs typeface="Montserrat"/>
+                <a:sym typeface="Montserrat"/>
+              </a:endParaRPr>
+            </a:p>
+          </p:txBody>
+        </p:sp>
+      </p:grpSp>
+      <p:sp>
+        <p:nvSpPr>
+          <p:cNvPr id="7" name="TextBox 6"/>
+          <p:cNvSpPr txBox="1"/>
+          <p:nvPr/>
+        </p:nvSpPr>
+        <p:spPr>
+          <a:xfrm>
+            <a:off x="7809595" y="4624832"/>
             <a:ext cx="986167" cy="246221"/>
           </a:xfrm>
           <a:prstGeom prst="rect">
@@ -10061,7 +10647,7 @@
             <a:pPr algn="ctr"/>
             <a:r>
               <a:rPr lang="en-US" sz="2800" dirty="0" smtClean="0"/>
-              <a:t>References</a:t>
+              <a:t>Reference </a:t>
             </a:r>
             <a:endParaRPr lang="en-US" sz="2800" dirty="0"/>
           </a:p>
@@ -10401,7 +10987,7 @@
     </p:spTree>
     <p:extLst>
       <p:ext uri="{BB962C8B-B14F-4D97-AF65-F5344CB8AC3E}">
-        <p14:creationId xmlns:p14="http://schemas.microsoft.com/office/powerpoint/2010/main" val="173518021"/>
+        <p14:creationId xmlns:p14="http://schemas.microsoft.com/office/powerpoint/2010/main" val="3643534345"/>
       </p:ext>
     </p:extLst>
   </p:cSld>
@@ -10418,7 +11004,7 @@
 </p:sld>
 </file>
 
-<file path=ppt/slides/slide5.xml><?xml version="1.0" encoding="utf-8"?>
+<file path=ppt/slides/slide6.xml><?xml version="1.0" encoding="utf-8"?>
 <p:sld xmlns:a="http://schemas.openxmlformats.org/drawingml/2006/main" xmlns:r="http://schemas.openxmlformats.org/officeDocument/2006/relationships" xmlns:p="http://schemas.openxmlformats.org/presentationml/2006/main">
   <p:cSld>
     <p:spTree>
